--- a/TechWatch/Julia.pptx
+++ b/TechWatch/Julia.pptx
@@ -6,6 +6,7 @@
   </p:sldMasterIdLst>
   <p:sldIdLst>
     <p:sldId id="259" r:id="rId2"/>
+    <p:sldId id="260" r:id="rId3"/>
   </p:sldIdLst>
   <p:sldSz cx="12192000" cy="6858000"/>
   <p:notesSz cx="6858000" cy="9144000"/>
@@ -104,6 +105,11 @@
       </a:defRPr>
     </a:lvl9pPr>
   </p:defaultTextStyle>
+  <p:extLst>
+    <p:ext uri="{EFAFB233-063F-42B5-8137-9DF3F51BA10A}">
+      <p15:sldGuideLst xmlns:p15="http://schemas.microsoft.com/office/powerpoint/2012/main"/>
+    </p:ext>
+  </p:extLst>
 </p:presentation>
 </file>
 
@@ -238,7 +244,7 @@
           <a:p>
             <a:fld id="{4AB61113-0B54-314F-BC1D-96DCEF7D6454}" type="datetimeFigureOut">
               <a:rPr lang="en-US" smtClean="0"/>
-              <a:t>5/19/16</a:t>
+              <a:t>5/20/16</a:t>
             </a:fld>
             <a:endParaRPr lang="en-US"/>
           </a:p>
@@ -408,7 +414,7 @@
           <a:p>
             <a:fld id="{4AB61113-0B54-314F-BC1D-96DCEF7D6454}" type="datetimeFigureOut">
               <a:rPr lang="en-US" smtClean="0"/>
-              <a:t>5/19/16</a:t>
+              <a:t>5/20/16</a:t>
             </a:fld>
             <a:endParaRPr lang="en-US"/>
           </a:p>
@@ -588,7 +594,7 @@
           <a:p>
             <a:fld id="{4AB61113-0B54-314F-BC1D-96DCEF7D6454}" type="datetimeFigureOut">
               <a:rPr lang="en-US" smtClean="0"/>
-              <a:t>5/19/16</a:t>
+              <a:t>5/20/16</a:t>
             </a:fld>
             <a:endParaRPr lang="en-US"/>
           </a:p>
@@ -758,7 +764,7 @@
           <a:p>
             <a:fld id="{4AB61113-0B54-314F-BC1D-96DCEF7D6454}" type="datetimeFigureOut">
               <a:rPr lang="en-US" smtClean="0"/>
-              <a:t>5/19/16</a:t>
+              <a:t>5/20/16</a:t>
             </a:fld>
             <a:endParaRPr lang="en-US"/>
           </a:p>
@@ -1004,7 +1010,7 @@
           <a:p>
             <a:fld id="{4AB61113-0B54-314F-BC1D-96DCEF7D6454}" type="datetimeFigureOut">
               <a:rPr lang="en-US" smtClean="0"/>
-              <a:t>5/19/16</a:t>
+              <a:t>5/20/16</a:t>
             </a:fld>
             <a:endParaRPr lang="en-US"/>
           </a:p>
@@ -1236,7 +1242,7 @@
           <a:p>
             <a:fld id="{4AB61113-0B54-314F-BC1D-96DCEF7D6454}" type="datetimeFigureOut">
               <a:rPr lang="en-US" smtClean="0"/>
-              <a:t>5/19/16</a:t>
+              <a:t>5/20/16</a:t>
             </a:fld>
             <a:endParaRPr lang="en-US"/>
           </a:p>
@@ -1603,7 +1609,7 @@
           <a:p>
             <a:fld id="{4AB61113-0B54-314F-BC1D-96DCEF7D6454}" type="datetimeFigureOut">
               <a:rPr lang="en-US" smtClean="0"/>
-              <a:t>5/19/16</a:t>
+              <a:t>5/20/16</a:t>
             </a:fld>
             <a:endParaRPr lang="en-US"/>
           </a:p>
@@ -1721,7 +1727,7 @@
           <a:p>
             <a:fld id="{4AB61113-0B54-314F-BC1D-96DCEF7D6454}" type="datetimeFigureOut">
               <a:rPr lang="en-US" smtClean="0"/>
-              <a:t>5/19/16</a:t>
+              <a:t>5/20/16</a:t>
             </a:fld>
             <a:endParaRPr lang="en-US"/>
           </a:p>
@@ -1816,7 +1822,7 @@
           <a:p>
             <a:fld id="{4AB61113-0B54-314F-BC1D-96DCEF7D6454}" type="datetimeFigureOut">
               <a:rPr lang="en-US" smtClean="0"/>
-              <a:t>5/19/16</a:t>
+              <a:t>5/20/16</a:t>
             </a:fld>
             <a:endParaRPr lang="en-US"/>
           </a:p>
@@ -2093,7 +2099,7 @@
           <a:p>
             <a:fld id="{4AB61113-0B54-314F-BC1D-96DCEF7D6454}" type="datetimeFigureOut">
               <a:rPr lang="en-US" smtClean="0"/>
-              <a:t>5/19/16</a:t>
+              <a:t>5/20/16</a:t>
             </a:fld>
             <a:endParaRPr lang="en-US"/>
           </a:p>
@@ -2346,7 +2352,7 @@
           <a:p>
             <a:fld id="{4AB61113-0B54-314F-BC1D-96DCEF7D6454}" type="datetimeFigureOut">
               <a:rPr lang="en-US" smtClean="0"/>
-              <a:t>5/19/16</a:t>
+              <a:t>5/20/16</a:t>
             </a:fld>
             <a:endParaRPr lang="en-US"/>
           </a:p>
@@ -2559,7 +2565,7 @@
           <a:p>
             <a:fld id="{4AB61113-0B54-314F-BC1D-96DCEF7D6454}" type="datetimeFigureOut">
               <a:rPr lang="en-US" smtClean="0"/>
-              <a:t>5/19/16</a:t>
+              <a:t>5/20/16</a:t>
             </a:fld>
             <a:endParaRPr lang="en-US"/>
           </a:p>
@@ -2981,7 +2987,7 @@
           <a:p>
             <a:r>
               <a:rPr lang="en-US" dirty="0" smtClean="0"/>
-              <a:t>Advantages Julia</a:t>
+              <a:t>Advantages</a:t>
             </a:r>
             <a:endParaRPr lang="en-US" dirty="0"/>
           </a:p>
@@ -2997,9 +3003,16 @@
             <p:ph idx="1"/>
           </p:nvPr>
         </p:nvSpPr>
-        <p:spPr/>
-        <p:txBody>
-          <a:bodyPr/>
+        <p:spPr>
+          <a:xfrm>
+            <a:off x="838200" y="1825625"/>
+            <a:ext cx="5761565" cy="4351338"/>
+          </a:xfrm>
+        </p:spPr>
+        <p:txBody>
+          <a:bodyPr>
+            <a:normAutofit/>
+          </a:bodyPr>
           <a:lstStyle/>
           <a:p>
             <a:pPr>
@@ -3010,10 +3023,86 @@
                 <a:spcPts val="0"/>
               </a:spcBef>
             </a:pPr>
+            <a:endParaRPr lang="en-US" dirty="0"/>
+          </a:p>
+          <a:p>
+            <a:pPr>
+              <a:lnSpc>
+                <a:spcPct val="100000"/>
+              </a:lnSpc>
+              <a:spcBef>
+                <a:spcPts val="0"/>
+              </a:spcBef>
+            </a:pPr>
             <a:r>
               <a:rPr lang="en-US" dirty="0" smtClean="0"/>
-              <a:t>Precise</a:t>
-            </a:r>
+              <a:t>Intuitive: </a:t>
+            </a:r>
+            <a:r>
+              <a:rPr lang="en-US" dirty="0"/>
+              <a:t>Touch is the earliest sense developed in human embryology</a:t>
+            </a:r>
+            <a:endParaRPr lang="en-US" dirty="0" smtClean="0"/>
+          </a:p>
+          <a:p>
+            <a:pPr>
+              <a:lnSpc>
+                <a:spcPct val="100000"/>
+              </a:lnSpc>
+              <a:spcBef>
+                <a:spcPts val="0"/>
+              </a:spcBef>
+            </a:pPr>
+            <a:endParaRPr lang="en-US" dirty="0"/>
+          </a:p>
+          <a:p>
+            <a:pPr>
+              <a:lnSpc>
+                <a:spcPct val="100000"/>
+              </a:lnSpc>
+              <a:spcBef>
+                <a:spcPts val="0"/>
+              </a:spcBef>
+            </a:pPr>
+            <a:r>
+              <a:rPr lang="en-US" dirty="0"/>
+              <a:t>Close to </a:t>
+            </a:r>
+            <a:r>
+              <a:rPr lang="en-US" dirty="0" smtClean="0"/>
+              <a:t>reality</a:t>
+            </a:r>
+            <a:endParaRPr lang="en-US" dirty="0"/>
+          </a:p>
+          <a:p>
+            <a:pPr>
+              <a:lnSpc>
+                <a:spcPct val="100000"/>
+              </a:lnSpc>
+              <a:spcBef>
+                <a:spcPts val="0"/>
+              </a:spcBef>
+            </a:pPr>
+            <a:endParaRPr lang="en-US" dirty="0"/>
+          </a:p>
+          <a:p>
+            <a:pPr>
+              <a:lnSpc>
+                <a:spcPct val="100000"/>
+              </a:lnSpc>
+              <a:spcBef>
+                <a:spcPts val="0"/>
+              </a:spcBef>
+            </a:pPr>
+            <a:r>
+              <a:rPr lang="en-US" dirty="0" smtClean="0"/>
+              <a:t>For tasks </a:t>
+            </a:r>
+            <a:r>
+              <a:rPr lang="en-US" dirty="0"/>
+              <a:t>that require utmost precision</a:t>
+            </a:r>
+            <a:endParaRPr lang="en-US" dirty="0" smtClean="0"/>
           </a:p>
           <a:p>
             <a:pPr>
@@ -3035,10 +3124,18 @@
                 <a:spcPts val="0"/>
               </a:spcBef>
             </a:pPr>
-            <a:r>
-              <a:rPr lang="en-US" dirty="0" smtClean="0"/>
-              <a:t>Close to reality</a:t>
-            </a:r>
+            <a:endParaRPr lang="en-US" dirty="0"/>
+          </a:p>
+          <a:p>
+            <a:pPr>
+              <a:lnSpc>
+                <a:spcPct val="100000"/>
+              </a:lnSpc>
+              <a:spcBef>
+                <a:spcPts val="0"/>
+              </a:spcBef>
+            </a:pPr>
+            <a:endParaRPr lang="en-US" dirty="0" smtClean="0"/>
           </a:p>
           <a:p>
             <a:pPr>
@@ -3060,10 +3157,7 @@
                 <a:spcPts val="0"/>
               </a:spcBef>
             </a:pPr>
-            <a:r>
-              <a:rPr lang="en-US" dirty="0" smtClean="0"/>
-              <a:t>Intuitive</a:t>
-            </a:r>
+            <a:endParaRPr lang="en-US" dirty="0" smtClean="0"/>
           </a:p>
           <a:p>
             <a:pPr>
@@ -3118,7 +3212,7 @@
                 <a:spcPts val="0"/>
               </a:spcBef>
             </a:pPr>
-            <a:endParaRPr lang="en-US" dirty="0"/>
+            <a:endParaRPr lang="en-US" dirty="0" smtClean="0"/>
           </a:p>
           <a:p>
             <a:pPr>
@@ -3131,30 +3225,186 @@
             </a:pPr>
             <a:endParaRPr lang="en-US" dirty="0" smtClean="0"/>
           </a:p>
-          <a:p>
-            <a:pPr>
-              <a:lnSpc>
-                <a:spcPct val="100000"/>
-              </a:lnSpc>
-              <a:spcBef>
-                <a:spcPts val="0"/>
-              </a:spcBef>
-            </a:pPr>
-            <a:endParaRPr lang="en-US" dirty="0" smtClean="0"/>
-          </a:p>
-          <a:p>
-            <a:pPr>
-              <a:lnSpc>
-                <a:spcPct val="100000"/>
-              </a:lnSpc>
-              <a:spcBef>
-                <a:spcPts val="0"/>
-              </a:spcBef>
-            </a:pPr>
-            <a:endParaRPr lang="en-US" dirty="0" smtClean="0"/>
-          </a:p>
-        </p:txBody>
-      </p:sp>
+        </p:txBody>
+      </p:sp>
+      <p:pic>
+        <p:nvPicPr>
+          <p:cNvPr id="4" name="Picture 3"/>
+          <p:cNvPicPr>
+            <a:picLocks noChangeAspect="1"/>
+          </p:cNvPicPr>
+          <p:nvPr/>
+        </p:nvPicPr>
+        <p:blipFill rotWithShape="1">
+          <a:blip r:embed="rId2">
+            <a:extLst>
+              <a:ext uri="{BEBA8EAE-BF5A-486C-A8C5-ECC9F3942E4B}">
+                <a14:imgProps xmlns:a14="http://schemas.microsoft.com/office/drawing/2010/main">
+                  <a14:imgLayer r:embed="rId3">
+                    <a14:imgEffect>
+                      <a14:backgroundRemoval t="3659" b="56098" l="32895" r="66053"/>
+                    </a14:imgEffect>
+                  </a14:imgLayer>
+                </a14:imgProps>
+              </a:ext>
+            </a:extLst>
+          </a:blip>
+          <a:srcRect l="30878" r="31578" b="44605"/>
+          <a:stretch/>
+        </p:blipFill>
+        <p:spPr>
+          <a:xfrm>
+            <a:off x="7992531" y="594255"/>
+            <a:ext cx="1811868" cy="1730639"/>
+          </a:xfrm>
+          <a:prstGeom prst="rect">
+            <a:avLst/>
+          </a:prstGeom>
+        </p:spPr>
+      </p:pic>
+      <p:pic>
+        <p:nvPicPr>
+          <p:cNvPr id="5" name="Picture 4"/>
+          <p:cNvPicPr>
+            <a:picLocks noChangeAspect="1"/>
+          </p:cNvPicPr>
+          <p:nvPr/>
+        </p:nvPicPr>
+        <p:blipFill rotWithShape="1">
+          <a:blip r:embed="rId4">
+            <a:extLst>
+              <a:ext uri="{BEBA8EAE-BF5A-486C-A8C5-ECC9F3942E4B}">
+                <a14:imgProps xmlns:a14="http://schemas.microsoft.com/office/drawing/2010/main">
+                  <a14:imgLayer r:embed="rId5">
+                    <a14:imgEffect>
+                      <a14:backgroundRemoval t="5285" b="54472" l="526" r="33158"/>
+                    </a14:imgEffect>
+                  </a14:imgLayer>
+                </a14:imgProps>
+              </a:ext>
+            </a:extLst>
+          </a:blip>
+          <a:srcRect r="62632" b="43225"/>
+          <a:stretch/>
+        </p:blipFill>
+        <p:spPr>
+          <a:xfrm>
+            <a:off x="6443130" y="594255"/>
+            <a:ext cx="1803400" cy="1773767"/>
+          </a:xfrm>
+          <a:prstGeom prst="rect">
+            <a:avLst/>
+          </a:prstGeom>
+        </p:spPr>
+      </p:pic>
+      <p:pic>
+        <p:nvPicPr>
+          <p:cNvPr id="6" name="Picture 5"/>
+          <p:cNvPicPr>
+            <a:picLocks noChangeAspect="1"/>
+          </p:cNvPicPr>
+          <p:nvPr/>
+        </p:nvPicPr>
+        <p:blipFill rotWithShape="1">
+          <a:blip r:embed="rId6">
+            <a:alphaModFix amt="20000"/>
+            <a:extLst>
+              <a:ext uri="{BEBA8EAE-BF5A-486C-A8C5-ECC9F3942E4B}">
+                <a14:imgProps xmlns:a14="http://schemas.microsoft.com/office/drawing/2010/main">
+                  <a14:imgLayer r:embed="rId7">
+                    <a14:imgEffect>
+                      <a14:backgroundRemoval t="48374" b="96748" l="50263" r="85526"/>
+                    </a14:imgEffect>
+                  </a14:imgLayer>
+                </a14:imgProps>
+              </a:ext>
+            </a:extLst>
+          </a:blip>
+          <a:srcRect l="51404" t="46477" r="14210" b="949"/>
+          <a:stretch/>
+        </p:blipFill>
+        <p:spPr>
+          <a:xfrm>
+            <a:off x="7315198" y="2021747"/>
+            <a:ext cx="1659467" cy="1642534"/>
+          </a:xfrm>
+          <a:prstGeom prst="rect">
+            <a:avLst/>
+          </a:prstGeom>
+        </p:spPr>
+      </p:pic>
+      <p:pic>
+        <p:nvPicPr>
+          <p:cNvPr id="7" name="Picture 6"/>
+          <p:cNvPicPr>
+            <a:picLocks noChangeAspect="1"/>
+          </p:cNvPicPr>
+          <p:nvPr/>
+        </p:nvPicPr>
+        <p:blipFill rotWithShape="1">
+          <a:blip r:embed="rId8">
+            <a:alphaModFix amt="20000"/>
+            <a:extLst>
+              <a:ext uri="{BEBA8EAE-BF5A-486C-A8C5-ECC9F3942E4B}">
+                <a14:imgProps xmlns:a14="http://schemas.microsoft.com/office/drawing/2010/main">
+                  <a14:imgLayer r:embed="rId9">
+                    <a14:imgEffect>
+                      <a14:backgroundRemoval t="3659" b="52033" l="66579" r="100000"/>
+                    </a14:imgEffect>
+                  </a14:imgLayer>
+                </a14:imgProps>
+              </a:ext>
+            </a:extLst>
+          </a:blip>
+          <a:srcRect l="66140" t="4183" b="47036"/>
+          <a:stretch/>
+        </p:blipFill>
+        <p:spPr>
+          <a:xfrm>
+            <a:off x="8885765" y="2081014"/>
+            <a:ext cx="1634067" cy="1524000"/>
+          </a:xfrm>
+          <a:prstGeom prst="rect">
+            <a:avLst/>
+          </a:prstGeom>
+        </p:spPr>
+      </p:pic>
+      <p:pic>
+        <p:nvPicPr>
+          <p:cNvPr id="8" name="Picture 7"/>
+          <p:cNvPicPr>
+            <a:picLocks noChangeAspect="1"/>
+          </p:cNvPicPr>
+          <p:nvPr/>
+        </p:nvPicPr>
+        <p:blipFill rotWithShape="1">
+          <a:blip r:embed="rId10">
+            <a:alphaModFix amt="20000"/>
+            <a:extLst>
+              <a:ext uri="{BEBA8EAE-BF5A-486C-A8C5-ECC9F3942E4B}">
+                <a14:imgProps xmlns:a14="http://schemas.microsoft.com/office/drawing/2010/main">
+                  <a14:imgLayer r:embed="rId11">
+                    <a14:imgEffect>
+                      <a14:backgroundRemoval t="48374" b="96748" l="17895" r="51579"/>
+                    </a14:imgEffect>
+                  </a14:imgLayer>
+                </a14:imgProps>
+              </a:ext>
+            </a:extLst>
+          </a:blip>
+          <a:srcRect l="17237" t="48817" r="48377"/>
+          <a:stretch/>
+        </p:blipFill>
+        <p:spPr>
+          <a:xfrm>
+            <a:off x="9719733" y="725818"/>
+            <a:ext cx="1659467" cy="1599076"/>
+          </a:xfrm>
+          <a:prstGeom prst="rect">
+            <a:avLst/>
+          </a:prstGeom>
+        </p:spPr>
+      </p:pic>
     </p:spTree>
     <p:extLst>
       <p:ext uri="{BB962C8B-B14F-4D97-AF65-F5344CB8AC3E}">
@@ -3165,6 +3415,485 @@
   <p:clrMapOvr>
     <a:masterClrMapping/>
   </p:clrMapOvr>
+  <p:timing>
+    <p:tnLst>
+      <p:par>
+        <p:cTn id="1" dur="indefinite" restart="never" nodeType="tmRoot"/>
+      </p:par>
+    </p:tnLst>
+  </p:timing>
+</p:sld>
+</file>
+
+<file path=ppt/slides/slide2.xml><?xml version="1.0" encoding="utf-8"?>
+<p:sld xmlns:a="http://schemas.openxmlformats.org/drawingml/2006/main" xmlns:r="http://schemas.openxmlformats.org/officeDocument/2006/relationships" xmlns:p="http://schemas.openxmlformats.org/presentationml/2006/main">
+  <p:cSld>
+    <p:spTree>
+      <p:nvGrpSpPr>
+        <p:cNvPr id="1" name=""/>
+        <p:cNvGrpSpPr/>
+        <p:nvPr/>
+      </p:nvGrpSpPr>
+      <p:grpSpPr>
+        <a:xfrm>
+          <a:off x="0" y="0"/>
+          <a:ext cx="0" cy="0"/>
+          <a:chOff x="0" y="0"/>
+          <a:chExt cx="0" cy="0"/>
+        </a:xfrm>
+      </p:grpSpPr>
+      <p:sp>
+        <p:nvSpPr>
+          <p:cNvPr id="2" name="Title 1"/>
+          <p:cNvSpPr>
+            <a:spLocks noGrp="1"/>
+          </p:cNvSpPr>
+          <p:nvPr>
+            <p:ph type="title"/>
+          </p:nvPr>
+        </p:nvSpPr>
+        <p:spPr/>
+        <p:txBody>
+          <a:bodyPr/>
+          <a:lstStyle/>
+          <a:p>
+            <a:r>
+              <a:rPr lang="en-US" dirty="0" smtClean="0"/>
+              <a:t>Advantages</a:t>
+            </a:r>
+            <a:endParaRPr lang="en-US" dirty="0"/>
+          </a:p>
+        </p:txBody>
+      </p:sp>
+      <p:sp>
+        <p:nvSpPr>
+          <p:cNvPr id="3" name="Content Placeholder 2"/>
+          <p:cNvSpPr>
+            <a:spLocks noGrp="1"/>
+          </p:cNvSpPr>
+          <p:nvPr>
+            <p:ph idx="1"/>
+          </p:nvPr>
+        </p:nvSpPr>
+        <p:spPr>
+          <a:xfrm>
+            <a:off x="838200" y="1825625"/>
+            <a:ext cx="5761565" cy="4351338"/>
+          </a:xfrm>
+        </p:spPr>
+        <p:txBody>
+          <a:bodyPr>
+            <a:normAutofit/>
+          </a:bodyPr>
+          <a:lstStyle/>
+          <a:p>
+            <a:pPr>
+              <a:lnSpc>
+                <a:spcPct val="100000"/>
+              </a:lnSpc>
+              <a:spcBef>
+                <a:spcPts val="0"/>
+              </a:spcBef>
+            </a:pPr>
+            <a:endParaRPr lang="en-US" dirty="0"/>
+          </a:p>
+          <a:p>
+            <a:pPr>
+              <a:lnSpc>
+                <a:spcPct val="100000"/>
+              </a:lnSpc>
+              <a:spcBef>
+                <a:spcPts val="0"/>
+              </a:spcBef>
+            </a:pPr>
+            <a:r>
+              <a:rPr lang="en-US" dirty="0" smtClean="0"/>
+              <a:t>Intuitive: </a:t>
+            </a:r>
+            <a:r>
+              <a:rPr lang="en-US" dirty="0"/>
+              <a:t>Touch is the earliest sense developed in human embryology</a:t>
+            </a:r>
+            <a:endParaRPr lang="en-US" dirty="0" smtClean="0"/>
+          </a:p>
+          <a:p>
+            <a:pPr>
+              <a:lnSpc>
+                <a:spcPct val="100000"/>
+              </a:lnSpc>
+              <a:spcBef>
+                <a:spcPts val="0"/>
+              </a:spcBef>
+            </a:pPr>
+            <a:endParaRPr lang="en-US" dirty="0"/>
+          </a:p>
+          <a:p>
+            <a:pPr>
+              <a:lnSpc>
+                <a:spcPct val="100000"/>
+              </a:lnSpc>
+              <a:spcBef>
+                <a:spcPts val="0"/>
+              </a:spcBef>
+            </a:pPr>
+            <a:r>
+              <a:rPr lang="en-US" dirty="0"/>
+              <a:t>Close to </a:t>
+            </a:r>
+            <a:r>
+              <a:rPr lang="en-US" dirty="0" smtClean="0"/>
+              <a:t>reality</a:t>
+            </a:r>
+            <a:endParaRPr lang="en-US" dirty="0"/>
+          </a:p>
+          <a:p>
+            <a:pPr>
+              <a:lnSpc>
+                <a:spcPct val="100000"/>
+              </a:lnSpc>
+              <a:spcBef>
+                <a:spcPts val="0"/>
+              </a:spcBef>
+            </a:pPr>
+            <a:endParaRPr lang="en-US" dirty="0"/>
+          </a:p>
+          <a:p>
+            <a:pPr>
+              <a:lnSpc>
+                <a:spcPct val="100000"/>
+              </a:lnSpc>
+              <a:spcBef>
+                <a:spcPts val="0"/>
+              </a:spcBef>
+            </a:pPr>
+            <a:r>
+              <a:rPr lang="en-US" dirty="0" smtClean="0"/>
+              <a:t>For tasks </a:t>
+            </a:r>
+            <a:r>
+              <a:rPr lang="en-US" dirty="0"/>
+              <a:t>that require utmost precision</a:t>
+            </a:r>
+            <a:endParaRPr lang="en-US" dirty="0" smtClean="0"/>
+          </a:p>
+          <a:p>
+            <a:pPr>
+              <a:lnSpc>
+                <a:spcPct val="100000"/>
+              </a:lnSpc>
+              <a:spcBef>
+                <a:spcPts val="0"/>
+              </a:spcBef>
+            </a:pPr>
+            <a:endParaRPr lang="en-US" dirty="0" smtClean="0"/>
+          </a:p>
+          <a:p>
+            <a:pPr>
+              <a:lnSpc>
+                <a:spcPct val="100000"/>
+              </a:lnSpc>
+              <a:spcBef>
+                <a:spcPts val="0"/>
+              </a:spcBef>
+            </a:pPr>
+            <a:endParaRPr lang="en-US" dirty="0"/>
+          </a:p>
+          <a:p>
+            <a:pPr>
+              <a:lnSpc>
+                <a:spcPct val="100000"/>
+              </a:lnSpc>
+              <a:spcBef>
+                <a:spcPts val="0"/>
+              </a:spcBef>
+            </a:pPr>
+            <a:endParaRPr lang="en-US" dirty="0" smtClean="0"/>
+          </a:p>
+          <a:p>
+            <a:pPr>
+              <a:lnSpc>
+                <a:spcPct val="100000"/>
+              </a:lnSpc>
+              <a:spcBef>
+                <a:spcPts val="0"/>
+              </a:spcBef>
+            </a:pPr>
+            <a:endParaRPr lang="en-US" dirty="0"/>
+          </a:p>
+          <a:p>
+            <a:pPr>
+              <a:lnSpc>
+                <a:spcPct val="100000"/>
+              </a:lnSpc>
+              <a:spcBef>
+                <a:spcPts val="0"/>
+              </a:spcBef>
+            </a:pPr>
+            <a:endParaRPr lang="en-US" dirty="0" smtClean="0"/>
+          </a:p>
+          <a:p>
+            <a:pPr>
+              <a:lnSpc>
+                <a:spcPct val="100000"/>
+              </a:lnSpc>
+              <a:spcBef>
+                <a:spcPts val="0"/>
+              </a:spcBef>
+            </a:pPr>
+            <a:endParaRPr lang="en-US" dirty="0"/>
+          </a:p>
+          <a:p>
+            <a:pPr>
+              <a:lnSpc>
+                <a:spcPct val="100000"/>
+              </a:lnSpc>
+              <a:spcBef>
+                <a:spcPts val="0"/>
+              </a:spcBef>
+            </a:pPr>
+            <a:endParaRPr lang="en-US" dirty="0" smtClean="0"/>
+          </a:p>
+          <a:p>
+            <a:pPr>
+              <a:lnSpc>
+                <a:spcPct val="100000"/>
+              </a:lnSpc>
+              <a:spcBef>
+                <a:spcPts val="0"/>
+              </a:spcBef>
+            </a:pPr>
+            <a:endParaRPr lang="en-US" dirty="0"/>
+          </a:p>
+          <a:p>
+            <a:pPr>
+              <a:lnSpc>
+                <a:spcPct val="100000"/>
+              </a:lnSpc>
+              <a:spcBef>
+                <a:spcPts val="0"/>
+              </a:spcBef>
+            </a:pPr>
+            <a:endParaRPr lang="en-US" dirty="0" smtClean="0"/>
+          </a:p>
+          <a:p>
+            <a:pPr>
+              <a:lnSpc>
+                <a:spcPct val="100000"/>
+              </a:lnSpc>
+              <a:spcBef>
+                <a:spcPts val="0"/>
+              </a:spcBef>
+            </a:pPr>
+            <a:endParaRPr lang="en-US" dirty="0" smtClean="0"/>
+          </a:p>
+          <a:p>
+            <a:pPr>
+              <a:lnSpc>
+                <a:spcPct val="100000"/>
+              </a:lnSpc>
+              <a:spcBef>
+                <a:spcPts val="0"/>
+              </a:spcBef>
+            </a:pPr>
+            <a:endParaRPr lang="en-US" dirty="0" smtClean="0"/>
+          </a:p>
+        </p:txBody>
+      </p:sp>
+      <p:pic>
+        <p:nvPicPr>
+          <p:cNvPr id="4" name="Picture 3"/>
+          <p:cNvPicPr>
+            <a:picLocks noChangeAspect="1"/>
+          </p:cNvPicPr>
+          <p:nvPr/>
+        </p:nvPicPr>
+        <p:blipFill rotWithShape="1">
+          <a:blip r:embed="rId2">
+            <a:extLst>
+              <a:ext uri="{BEBA8EAE-BF5A-486C-A8C5-ECC9F3942E4B}">
+                <a14:imgProps xmlns:a14="http://schemas.microsoft.com/office/drawing/2010/main">
+                  <a14:imgLayer r:embed="rId3">
+                    <a14:imgEffect>
+                      <a14:backgroundRemoval t="3659" b="56098" l="32895" r="66053"/>
+                    </a14:imgEffect>
+                  </a14:imgLayer>
+                </a14:imgProps>
+              </a:ext>
+            </a:extLst>
+          </a:blip>
+          <a:srcRect l="30878" r="31578" b="44605"/>
+          <a:stretch/>
+        </p:blipFill>
+        <p:spPr>
+          <a:xfrm>
+            <a:off x="7992531" y="594255"/>
+            <a:ext cx="1811868" cy="1730639"/>
+          </a:xfrm>
+          <a:prstGeom prst="rect">
+            <a:avLst/>
+          </a:prstGeom>
+        </p:spPr>
+      </p:pic>
+      <p:pic>
+        <p:nvPicPr>
+          <p:cNvPr id="5" name="Picture 4"/>
+          <p:cNvPicPr>
+            <a:picLocks noChangeAspect="1"/>
+          </p:cNvPicPr>
+          <p:nvPr/>
+        </p:nvPicPr>
+        <p:blipFill rotWithShape="1">
+          <a:blip r:embed="rId4">
+            <a:extLst>
+              <a:ext uri="{BEBA8EAE-BF5A-486C-A8C5-ECC9F3942E4B}">
+                <a14:imgProps xmlns:a14="http://schemas.microsoft.com/office/drawing/2010/main">
+                  <a14:imgLayer r:embed="rId5">
+                    <a14:imgEffect>
+                      <a14:backgroundRemoval t="5285" b="54472" l="526" r="33158"/>
+                    </a14:imgEffect>
+                  </a14:imgLayer>
+                </a14:imgProps>
+              </a:ext>
+            </a:extLst>
+          </a:blip>
+          <a:srcRect r="62632" b="43225"/>
+          <a:stretch/>
+        </p:blipFill>
+        <p:spPr>
+          <a:xfrm>
+            <a:off x="6443130" y="594255"/>
+            <a:ext cx="1803400" cy="1773767"/>
+          </a:xfrm>
+          <a:prstGeom prst="rect">
+            <a:avLst/>
+          </a:prstGeom>
+        </p:spPr>
+      </p:pic>
+      <p:pic>
+        <p:nvPicPr>
+          <p:cNvPr id="6" name="Picture 5"/>
+          <p:cNvPicPr>
+            <a:picLocks noChangeAspect="1"/>
+          </p:cNvPicPr>
+          <p:nvPr/>
+        </p:nvPicPr>
+        <p:blipFill rotWithShape="1">
+          <a:blip r:embed="rId6">
+            <a:alphaModFix/>
+            <a:extLst>
+              <a:ext uri="{BEBA8EAE-BF5A-486C-A8C5-ECC9F3942E4B}">
+                <a14:imgProps xmlns:a14="http://schemas.microsoft.com/office/drawing/2010/main">
+                  <a14:imgLayer r:embed="rId7">
+                    <a14:imgEffect>
+                      <a14:backgroundRemoval t="48374" b="96748" l="50263" r="85526"/>
+                    </a14:imgEffect>
+                  </a14:imgLayer>
+                </a14:imgProps>
+              </a:ext>
+            </a:extLst>
+          </a:blip>
+          <a:srcRect l="51404" t="46477" r="14210" b="949"/>
+          <a:stretch/>
+        </p:blipFill>
+        <p:spPr>
+          <a:xfrm>
+            <a:off x="7315198" y="2021747"/>
+            <a:ext cx="1659467" cy="1642534"/>
+          </a:xfrm>
+          <a:prstGeom prst="rect">
+            <a:avLst/>
+          </a:prstGeom>
+        </p:spPr>
+      </p:pic>
+      <p:pic>
+        <p:nvPicPr>
+          <p:cNvPr id="7" name="Picture 6"/>
+          <p:cNvPicPr>
+            <a:picLocks noChangeAspect="1"/>
+          </p:cNvPicPr>
+          <p:nvPr/>
+        </p:nvPicPr>
+        <p:blipFill rotWithShape="1">
+          <a:blip r:embed="rId8">
+            <a:alphaModFix amt="20000"/>
+            <a:extLst>
+              <a:ext uri="{BEBA8EAE-BF5A-486C-A8C5-ECC9F3942E4B}">
+                <a14:imgProps xmlns:a14="http://schemas.microsoft.com/office/drawing/2010/main">
+                  <a14:imgLayer r:embed="rId9">
+                    <a14:imgEffect>
+                      <a14:backgroundRemoval t="3659" b="52033" l="66579" r="100000"/>
+                    </a14:imgEffect>
+                  </a14:imgLayer>
+                </a14:imgProps>
+              </a:ext>
+            </a:extLst>
+          </a:blip>
+          <a:srcRect l="66140" t="4183" b="47036"/>
+          <a:stretch/>
+        </p:blipFill>
+        <p:spPr>
+          <a:xfrm>
+            <a:off x="8885765" y="2081014"/>
+            <a:ext cx="1634067" cy="1524000"/>
+          </a:xfrm>
+          <a:prstGeom prst="rect">
+            <a:avLst/>
+          </a:prstGeom>
+        </p:spPr>
+      </p:pic>
+      <p:pic>
+        <p:nvPicPr>
+          <p:cNvPr id="8" name="Picture 7"/>
+          <p:cNvPicPr>
+            <a:picLocks noChangeAspect="1"/>
+          </p:cNvPicPr>
+          <p:nvPr/>
+        </p:nvPicPr>
+        <p:blipFill rotWithShape="1">
+          <a:blip r:embed="rId10">
+            <a:alphaModFix amt="20000"/>
+            <a:extLst>
+              <a:ext uri="{BEBA8EAE-BF5A-486C-A8C5-ECC9F3942E4B}">
+                <a14:imgProps xmlns:a14="http://schemas.microsoft.com/office/drawing/2010/main">
+                  <a14:imgLayer r:embed="rId11">
+                    <a14:imgEffect>
+                      <a14:backgroundRemoval t="48374" b="96748" l="17895" r="51579"/>
+                    </a14:imgEffect>
+                  </a14:imgLayer>
+                </a14:imgProps>
+              </a:ext>
+            </a:extLst>
+          </a:blip>
+          <a:srcRect l="17237" t="48817" r="48377"/>
+          <a:stretch/>
+        </p:blipFill>
+        <p:spPr>
+          <a:xfrm>
+            <a:off x="9719733" y="725818"/>
+            <a:ext cx="1659467" cy="1599076"/>
+          </a:xfrm>
+          <a:prstGeom prst="rect">
+            <a:avLst/>
+          </a:prstGeom>
+        </p:spPr>
+      </p:pic>
+    </p:spTree>
+    <p:extLst>
+      <p:ext uri="{BB962C8B-B14F-4D97-AF65-F5344CB8AC3E}">
+        <p14:creationId xmlns:p14="http://schemas.microsoft.com/office/powerpoint/2010/main" val="54151111"/>
+      </p:ext>
+    </p:extLst>
+  </p:cSld>
+  <p:clrMapOvr>
+    <a:masterClrMapping/>
+  </p:clrMapOvr>
+  <p:timing>
+    <p:tnLst>
+      <p:par>
+        <p:cTn id="1" dur="indefinite" restart="never" nodeType="tmRoot"/>
+      </p:par>
+    </p:tnLst>
+  </p:timing>
 </p:sld>
 </file>
 
